--- a/preliminary.pptx
+++ b/preliminary.pptx
@@ -120,6 +120,11 @@
       </a:defRPr>
     </a:lvl9pPr>
   </p:defaultTextStyle>
+  <p:extLst>
+    <p:ext uri="{EFAFB233-063F-42B5-8137-9DF3F51BA10A}">
+      <p15:sldGuideLst xmlns:p15="http://schemas.microsoft.com/office/powerpoint/2012/main"/>
+    </p:ext>
+  </p:extLst>
 </p:presentation>
 </file>
 
@@ -454,7 +459,7 @@
           <a:p>
             <a:fld id="{0C69C19B-F91F-46C5-9B4E-2F32DA22A890}" type="datetimeFigureOut">
               <a:rPr lang="en-US" smtClean="0"/>
-              <a:t>3/3/2020</a:t>
+              <a:t>3/4/2020</a:t>
             </a:fld>
             <a:endParaRPr lang="en-US"/>
           </a:p>
@@ -778,7 +783,7 @@
           <a:p>
             <a:fld id="{0C69C19B-F91F-46C5-9B4E-2F32DA22A890}" type="datetimeFigureOut">
               <a:rPr lang="en-US" smtClean="0"/>
-              <a:t>3/3/2020</a:t>
+              <a:t>3/4/2020</a:t>
             </a:fld>
             <a:endParaRPr lang="en-US"/>
           </a:p>
@@ -1026,7 +1031,7 @@
           <a:p>
             <a:fld id="{0C69C19B-F91F-46C5-9B4E-2F32DA22A890}" type="datetimeFigureOut">
               <a:rPr lang="en-US" smtClean="0"/>
-              <a:t>3/3/2020</a:t>
+              <a:t>3/4/2020</a:t>
             </a:fld>
             <a:endParaRPr lang="en-US"/>
           </a:p>
@@ -1365,7 +1370,7 @@
           <a:p>
             <a:fld id="{0C69C19B-F91F-46C5-9B4E-2F32DA22A890}" type="datetimeFigureOut">
               <a:rPr lang="en-US" smtClean="0"/>
-              <a:t>3/3/2020</a:t>
+              <a:t>3/4/2020</a:t>
             </a:fld>
             <a:endParaRPr lang="en-US"/>
           </a:p>
@@ -1712,7 +1717,7 @@
           <a:p>
             <a:fld id="{0C69C19B-F91F-46C5-9B4E-2F32DA22A890}" type="datetimeFigureOut">
               <a:rPr lang="en-US" smtClean="0"/>
-              <a:t>3/3/2020</a:t>
+              <a:t>3/4/2020</a:t>
             </a:fld>
             <a:endParaRPr lang="en-US"/>
           </a:p>
@@ -2086,7 +2091,7 @@
           <a:p>
             <a:fld id="{0C69C19B-F91F-46C5-9B4E-2F32DA22A890}" type="datetimeFigureOut">
               <a:rPr lang="en-US" smtClean="0"/>
-              <a:t>3/3/2020</a:t>
+              <a:t>3/4/2020</a:t>
             </a:fld>
             <a:endParaRPr lang="en-US"/>
           </a:p>
@@ -2556,7 +2561,7 @@
           <a:p>
             <a:fld id="{0C69C19B-F91F-46C5-9B4E-2F32DA22A890}" type="datetimeFigureOut">
               <a:rPr lang="en-US" smtClean="0"/>
-              <a:t>3/3/2020</a:t>
+              <a:t>3/4/2020</a:t>
             </a:fld>
             <a:endParaRPr lang="en-US"/>
           </a:p>
@@ -2761,7 +2766,7 @@
           <a:p>
             <a:fld id="{0C69C19B-F91F-46C5-9B4E-2F32DA22A890}" type="datetimeFigureOut">
               <a:rPr lang="en-US" smtClean="0"/>
-              <a:t>3/3/2020</a:t>
+              <a:t>3/4/2020</a:t>
             </a:fld>
             <a:endParaRPr lang="en-US"/>
           </a:p>
@@ -2972,7 +2977,7 @@
           <a:p>
             <a:fld id="{0C69C19B-F91F-46C5-9B4E-2F32DA22A890}" type="datetimeFigureOut">
               <a:rPr lang="en-US" smtClean="0"/>
-              <a:t>3/3/2020</a:t>
+              <a:t>3/4/2020</a:t>
             </a:fld>
             <a:endParaRPr lang="en-US"/>
           </a:p>
@@ -3204,7 +3209,7 @@
           <a:p>
             <a:fld id="{0C69C19B-F91F-46C5-9B4E-2F32DA22A890}" type="datetimeFigureOut">
               <a:rPr lang="en-US" smtClean="0"/>
-              <a:t>3/3/2020</a:t>
+              <a:t>3/4/2020</a:t>
             </a:fld>
             <a:endParaRPr lang="en-US"/>
           </a:p>
@@ -3452,7 +3457,7 @@
           <a:p>
             <a:fld id="{0C69C19B-F91F-46C5-9B4E-2F32DA22A890}" type="datetimeFigureOut">
               <a:rPr lang="en-US" smtClean="0"/>
-              <a:t>3/3/2020</a:t>
+              <a:t>3/4/2020</a:t>
             </a:fld>
             <a:endParaRPr lang="en-US"/>
           </a:p>
@@ -3750,7 +3755,7 @@
           <a:p>
             <a:fld id="{0C69C19B-F91F-46C5-9B4E-2F32DA22A890}" type="datetimeFigureOut">
               <a:rPr lang="en-US" smtClean="0"/>
-              <a:t>3/3/2020</a:t>
+              <a:t>3/4/2020</a:t>
             </a:fld>
             <a:endParaRPr lang="en-US"/>
           </a:p>
@@ -4144,7 +4149,7 @@
           <a:p>
             <a:fld id="{0C69C19B-F91F-46C5-9B4E-2F32DA22A890}" type="datetimeFigureOut">
               <a:rPr lang="en-US" smtClean="0"/>
-              <a:t>3/3/2020</a:t>
+              <a:t>3/4/2020</a:t>
             </a:fld>
             <a:endParaRPr lang="en-US"/>
           </a:p>
@@ -4293,7 +4298,7 @@
           <a:p>
             <a:fld id="{0C69C19B-F91F-46C5-9B4E-2F32DA22A890}" type="datetimeFigureOut">
               <a:rPr lang="en-US" smtClean="0"/>
-              <a:t>3/3/2020</a:t>
+              <a:t>3/4/2020</a:t>
             </a:fld>
             <a:endParaRPr lang="en-US"/>
           </a:p>
@@ -4419,7 +4424,7 @@
           <a:p>
             <a:fld id="{0C69C19B-F91F-46C5-9B4E-2F32DA22A890}" type="datetimeFigureOut">
               <a:rPr lang="en-US" smtClean="0"/>
-              <a:t>3/3/2020</a:t>
+              <a:t>3/4/2020</a:t>
             </a:fld>
             <a:endParaRPr lang="en-US"/>
           </a:p>
@@ -4674,7 +4679,7 @@
           <a:p>
             <a:fld id="{0C69C19B-F91F-46C5-9B4E-2F32DA22A890}" type="datetimeFigureOut">
               <a:rPr lang="en-US" smtClean="0"/>
-              <a:t>3/3/2020</a:t>
+              <a:t>3/4/2020</a:t>
             </a:fld>
             <a:endParaRPr lang="en-US"/>
           </a:p>
@@ -4989,7 +4994,7 @@
           <a:p>
             <a:fld id="{0C69C19B-F91F-46C5-9B4E-2F32DA22A890}" type="datetimeFigureOut">
               <a:rPr lang="en-US" smtClean="0"/>
-              <a:t>3/3/2020</a:t>
+              <a:t>3/4/2020</a:t>
             </a:fld>
             <a:endParaRPr lang="en-US"/>
           </a:p>
@@ -5340,7 +5345,7 @@
           <a:p>
             <a:fld id="{0C69C19B-F91F-46C5-9B4E-2F32DA22A890}" type="datetimeFigureOut">
               <a:rPr lang="en-US" smtClean="0"/>
-              <a:t>3/3/2020</a:t>
+              <a:t>3/4/2020</a:t>
             </a:fld>
             <a:endParaRPr lang="en-US"/>
           </a:p>
@@ -14615,33 +14620,33 @@
           <a:lstStyle/>
           <a:p>
             <a:r>
-              <a:rPr lang="en-ZA" b="1" dirty="0"/>
+              <a:rPr lang="en-ZA" dirty="0"/>
               <a:t>Determination of Customer Requirements</a:t>
             </a:r>
           </a:p>
           <a:p>
             <a:r>
-              <a:rPr lang="en-US" b="1" dirty="0"/>
+              <a:rPr lang="en-US" dirty="0"/>
               <a:t>Generation of Concepts</a:t>
             </a:r>
           </a:p>
           <a:p>
             <a:r>
-              <a:rPr lang="en-ZA" b="1" dirty="0"/>
+              <a:rPr lang="en-ZA" dirty="0"/>
               <a:t>Concept Screening</a:t>
             </a:r>
-            <a:endParaRPr lang="en-US" b="1" dirty="0"/>
+            <a:endParaRPr lang="en-US" dirty="0"/>
           </a:p>
           <a:p>
             <a:r>
-              <a:rPr lang="en-ZA" b="1" dirty="0"/>
+              <a:rPr lang="en-ZA" dirty="0"/>
               <a:t>Concept Scoring</a:t>
             </a:r>
-            <a:endParaRPr lang="en-US" b="1" dirty="0"/>
+            <a:endParaRPr lang="en-US" dirty="0"/>
           </a:p>
           <a:p>
             <a:r>
-              <a:rPr lang="en-US" b="1" dirty="0"/>
+              <a:rPr lang="en-US" dirty="0"/>
               <a:t>Proposed Concepts</a:t>
             </a:r>
           </a:p>
